--- a/test/data/Testpptx_01.pptx
+++ b/test/data/Testpptx_01.pptx
@@ -108,6 +108,233 @@
 </p:presentation>
 </file>
 
+<file path=ppt/charts/chart1.xml><?xml version="1.0" encoding="utf-8"?>
+<c:chartSpace xmlns:c="http://schemas.openxmlformats.org/drawingml/2006/chart" xmlns:a="http://schemas.openxmlformats.org/drawingml/2006/main" xmlns:r="http://schemas.openxmlformats.org/officeDocument/2006/relationships">
+  <c:lang val="de-DE"/>
+  <c:chart>
+    <c:plotArea>
+      <c:layout/>
+      <c:barChart>
+        <c:barDir val="col"/>
+        <c:grouping val="clustered"/>
+        <c:ser>
+          <c:idx val="0"/>
+          <c:order val="0"/>
+          <c:tx>
+            <c:strRef>
+              <c:f>Sheet1!$B$1</c:f>
+              <c:strCache>
+                <c:ptCount val="1"/>
+                <c:pt idx="0">
+                  <c:v>Series 1</c:v>
+                </c:pt>
+              </c:strCache>
+            </c:strRef>
+          </c:tx>
+          <c:cat>
+            <c:strRef>
+              <c:f>Sheet1!$A$2:$A$5</c:f>
+              <c:strCache>
+                <c:ptCount val="4"/>
+                <c:pt idx="0">
+                  <c:v>Category 1</c:v>
+                </c:pt>
+                <c:pt idx="1">
+                  <c:v>Category 2</c:v>
+                </c:pt>
+                <c:pt idx="2">
+                  <c:v>Category 3</c:v>
+                </c:pt>
+                <c:pt idx="3">
+                  <c:v>Category 4</c:v>
+                </c:pt>
+              </c:strCache>
+            </c:strRef>
+          </c:cat>
+          <c:val>
+            <c:numRef>
+              <c:f>Sheet1!$B$2:$B$5</c:f>
+              <c:numCache>
+                <c:formatCode>General</c:formatCode>
+                <c:ptCount val="4"/>
+                <c:pt idx="0">
+                  <c:v>4.3</c:v>
+                </c:pt>
+                <c:pt idx="1">
+                  <c:v>2.5</c:v>
+                </c:pt>
+                <c:pt idx="2">
+                  <c:v>3.5</c:v>
+                </c:pt>
+                <c:pt idx="3">
+                  <c:v>4.5</c:v>
+                </c:pt>
+              </c:numCache>
+            </c:numRef>
+          </c:val>
+        </c:ser>
+        <c:ser>
+          <c:idx val="1"/>
+          <c:order val="1"/>
+          <c:tx>
+            <c:strRef>
+              <c:f>Sheet1!$C$1</c:f>
+              <c:strCache>
+                <c:ptCount val="1"/>
+                <c:pt idx="0">
+                  <c:v>Series 2</c:v>
+                </c:pt>
+              </c:strCache>
+            </c:strRef>
+          </c:tx>
+          <c:cat>
+            <c:strRef>
+              <c:f>Sheet1!$A$2:$A$5</c:f>
+              <c:strCache>
+                <c:ptCount val="4"/>
+                <c:pt idx="0">
+                  <c:v>Category 1</c:v>
+                </c:pt>
+                <c:pt idx="1">
+                  <c:v>Category 2</c:v>
+                </c:pt>
+                <c:pt idx="2">
+                  <c:v>Category 3</c:v>
+                </c:pt>
+                <c:pt idx="3">
+                  <c:v>Category 4</c:v>
+                </c:pt>
+              </c:strCache>
+            </c:strRef>
+          </c:cat>
+          <c:val>
+            <c:numRef>
+              <c:f>Sheet1!$C$2:$C$5</c:f>
+              <c:numCache>
+                <c:formatCode>General</c:formatCode>
+                <c:ptCount val="4"/>
+                <c:pt idx="0">
+                  <c:v>2.4</c:v>
+                </c:pt>
+                <c:pt idx="1">
+                  <c:v>4.4000000000000004</c:v>
+                </c:pt>
+                <c:pt idx="2">
+                  <c:v>1.8</c:v>
+                </c:pt>
+                <c:pt idx="3">
+                  <c:v>2.8</c:v>
+                </c:pt>
+              </c:numCache>
+            </c:numRef>
+          </c:val>
+        </c:ser>
+        <c:ser>
+          <c:idx val="2"/>
+          <c:order val="2"/>
+          <c:tx>
+            <c:strRef>
+              <c:f>Sheet1!$D$1</c:f>
+              <c:strCache>
+                <c:ptCount val="1"/>
+                <c:pt idx="0">
+                  <c:v>Series 3</c:v>
+                </c:pt>
+              </c:strCache>
+            </c:strRef>
+          </c:tx>
+          <c:cat>
+            <c:strRef>
+              <c:f>Sheet1!$A$2:$A$5</c:f>
+              <c:strCache>
+                <c:ptCount val="4"/>
+                <c:pt idx="0">
+                  <c:v>Category 1</c:v>
+                </c:pt>
+                <c:pt idx="1">
+                  <c:v>Category 2</c:v>
+                </c:pt>
+                <c:pt idx="2">
+                  <c:v>Category 3</c:v>
+                </c:pt>
+                <c:pt idx="3">
+                  <c:v>Category 4</c:v>
+                </c:pt>
+              </c:strCache>
+            </c:strRef>
+          </c:cat>
+          <c:val>
+            <c:numRef>
+              <c:f>Sheet1!$D$2:$D$5</c:f>
+              <c:numCache>
+                <c:formatCode>General</c:formatCode>
+                <c:ptCount val="4"/>
+                <c:pt idx="0">
+                  <c:v>2</c:v>
+                </c:pt>
+                <c:pt idx="1">
+                  <c:v>2</c:v>
+                </c:pt>
+                <c:pt idx="2">
+                  <c:v>3</c:v>
+                </c:pt>
+                <c:pt idx="3">
+                  <c:v>5</c:v>
+                </c:pt>
+              </c:numCache>
+            </c:numRef>
+          </c:val>
+        </c:ser>
+        <c:axId val="47747456"/>
+        <c:axId val="61021568"/>
+      </c:barChart>
+      <c:catAx>
+        <c:axId val="47747456"/>
+        <c:scaling>
+          <c:orientation val="minMax"/>
+        </c:scaling>
+        <c:axPos val="b"/>
+        <c:tickLblPos val="nextTo"/>
+        <c:crossAx val="61021568"/>
+        <c:crosses val="autoZero"/>
+        <c:auto val="1"/>
+        <c:lblAlgn val="ctr"/>
+        <c:lblOffset val="100"/>
+      </c:catAx>
+      <c:valAx>
+        <c:axId val="61021568"/>
+        <c:scaling>
+          <c:orientation val="minMax"/>
+        </c:scaling>
+        <c:axPos val="l"/>
+        <c:majorGridlines/>
+        <c:numFmt formatCode="General" sourceLinked="1"/>
+        <c:tickLblPos val="nextTo"/>
+        <c:crossAx val="47747456"/>
+        <c:crosses val="autoZero"/>
+        <c:crossBetween val="between"/>
+      </c:valAx>
+    </c:plotArea>
+    <c:legend>
+      <c:legendPos val="r"/>
+      <c:layout/>
+    </c:legend>
+    <c:plotVisOnly val="1"/>
+  </c:chart>
+  <c:txPr>
+    <a:bodyPr/>
+    <a:lstStyle/>
+    <a:p>
+      <a:pPr>
+        <a:defRPr sz="1800"/>
+      </a:pPr>
+      <a:endParaRPr lang="de-DE"/>
+    </a:p>
+  </c:txPr>
+  <c:externalData r:id="rId1"/>
+</c:chartSpace>
+</file>
+
 <file path=ppt/slideLayouts/slideLayout1.xml><?xml version="1.0" encoding="utf-8"?>
 <p:sldLayout xmlns:a="http://schemas.openxmlformats.org/drawingml/2006/main" xmlns:r="http://schemas.openxmlformats.org/officeDocument/2006/relationships" xmlns:p="http://schemas.openxmlformats.org/presentationml/2006/main" type="title" preserve="1">
   <p:cSld name="Titelfolie">
@@ -290,7 +517,7 @@
             <a:fld id="{1BA50D42-C9CD-4801-B293-61D1F53EC57E}" type="datetimeFigureOut">
               <a:rPr lang="de-DE" smtClean="0"/>
               <a:pPr/>
-              <a:t>11.11.2014</a:t>
+              <a:t>23.04.2015</a:t>
             </a:fld>
             <a:endParaRPr lang="de-DE"/>
           </a:p>
@@ -457,7 +684,7 @@
             <a:fld id="{1BA50D42-C9CD-4801-B293-61D1F53EC57E}" type="datetimeFigureOut">
               <a:rPr lang="de-DE" smtClean="0"/>
               <a:pPr/>
-              <a:t>11.11.2014</a:t>
+              <a:t>23.04.2015</a:t>
             </a:fld>
             <a:endParaRPr lang="de-DE"/>
           </a:p>
@@ -634,7 +861,7 @@
             <a:fld id="{1BA50D42-C9CD-4801-B293-61D1F53EC57E}" type="datetimeFigureOut">
               <a:rPr lang="de-DE" smtClean="0"/>
               <a:pPr/>
-              <a:t>11.11.2014</a:t>
+              <a:t>23.04.2015</a:t>
             </a:fld>
             <a:endParaRPr lang="de-DE"/>
           </a:p>
@@ -801,7 +1028,7 @@
             <a:fld id="{1BA50D42-C9CD-4801-B293-61D1F53EC57E}" type="datetimeFigureOut">
               <a:rPr lang="de-DE" smtClean="0"/>
               <a:pPr/>
-              <a:t>11.11.2014</a:t>
+              <a:t>23.04.2015</a:t>
             </a:fld>
             <a:endParaRPr lang="de-DE"/>
           </a:p>
@@ -1044,7 +1271,7 @@
             <a:fld id="{1BA50D42-C9CD-4801-B293-61D1F53EC57E}" type="datetimeFigureOut">
               <a:rPr lang="de-DE" smtClean="0"/>
               <a:pPr/>
-              <a:t>11.11.2014</a:t>
+              <a:t>23.04.2015</a:t>
             </a:fld>
             <a:endParaRPr lang="de-DE"/>
           </a:p>
@@ -1329,7 +1556,7 @@
             <a:fld id="{1BA50D42-C9CD-4801-B293-61D1F53EC57E}" type="datetimeFigureOut">
               <a:rPr lang="de-DE" smtClean="0"/>
               <a:pPr/>
-              <a:t>11.11.2014</a:t>
+              <a:t>23.04.2015</a:t>
             </a:fld>
             <a:endParaRPr lang="de-DE"/>
           </a:p>
@@ -1748,7 +1975,7 @@
             <a:fld id="{1BA50D42-C9CD-4801-B293-61D1F53EC57E}" type="datetimeFigureOut">
               <a:rPr lang="de-DE" smtClean="0"/>
               <a:pPr/>
-              <a:t>11.11.2014</a:t>
+              <a:t>23.04.2015</a:t>
             </a:fld>
             <a:endParaRPr lang="de-DE"/>
           </a:p>
@@ -1863,7 +2090,7 @@
             <a:fld id="{1BA50D42-C9CD-4801-B293-61D1F53EC57E}" type="datetimeFigureOut">
               <a:rPr lang="de-DE" smtClean="0"/>
               <a:pPr/>
-              <a:t>11.11.2014</a:t>
+              <a:t>23.04.2015</a:t>
             </a:fld>
             <a:endParaRPr lang="de-DE"/>
           </a:p>
@@ -1955,7 +2182,7 @@
             <a:fld id="{1BA50D42-C9CD-4801-B293-61D1F53EC57E}" type="datetimeFigureOut">
               <a:rPr lang="de-DE" smtClean="0"/>
               <a:pPr/>
-              <a:t>11.11.2014</a:t>
+              <a:t>23.04.2015</a:t>
             </a:fld>
             <a:endParaRPr lang="de-DE"/>
           </a:p>
@@ -2229,7 +2456,7 @@
             <a:fld id="{1BA50D42-C9CD-4801-B293-61D1F53EC57E}" type="datetimeFigureOut">
               <a:rPr lang="de-DE" smtClean="0"/>
               <a:pPr/>
-              <a:t>11.11.2014</a:t>
+              <a:t>23.04.2015</a:t>
             </a:fld>
             <a:endParaRPr lang="de-DE"/>
           </a:p>
@@ -2479,7 +2706,7 @@
             <a:fld id="{1BA50D42-C9CD-4801-B293-61D1F53EC57E}" type="datetimeFigureOut">
               <a:rPr lang="de-DE" smtClean="0"/>
               <a:pPr/>
-              <a:t>11.11.2014</a:t>
+              <a:t>23.04.2015</a:t>
             </a:fld>
             <a:endParaRPr lang="de-DE"/>
           </a:p>
@@ -2689,7 +2916,7 @@
             <a:fld id="{1BA50D42-C9CD-4801-B293-61D1F53EC57E}" type="datetimeFigureOut">
               <a:rPr lang="de-DE" smtClean="0"/>
               <a:pPr/>
-              <a:t>11.11.2014</a:t>
+              <a:t>23.04.2015</a:t>
             </a:fld>
             <a:endParaRPr lang="de-DE"/>
           </a:p>
@@ -3143,10 +3370,10 @@
           <a:lstStyle/>
           <a:p>
             <a:r>
-              <a:rPr lang="de-DE" smtClean="0"/>
+              <a:rPr lang="de-DE" dirty="0" smtClean="0"/>
               <a:t>Slide 1</a:t>
             </a:r>
-            <a:endParaRPr lang="de-DE"/>
+            <a:endParaRPr lang="de-DE" dirty="0"/>
           </a:p>
         </p:txBody>
       </p:sp>
@@ -3158,23 +3385,134 @@
           </p:cNvSpPr>
           <p:nvPr>
             <p:ph idx="1"/>
-          </p:nvPr>
-        </p:nvSpPr>
-        <p:spPr/>
-        <p:txBody>
-          <a:bodyPr/>
-          <a:lstStyle/>
-          <a:p>
-            <a:endParaRPr lang="de-DE"/>
-          </a:p>
-        </p:txBody>
-      </p:sp>
+            <p:custDataLst>
+              <p:tags r:id="rId1"/>
+            </p:custDataLst>
+          </p:nvPr>
+        </p:nvSpPr>
+        <p:spPr/>
+        <p:txBody>
+          <a:bodyPr/>
+          <a:lstStyle/>
+          <a:p>
+            <a:r>
+              <a:rPr lang="de-DE" dirty="0" err="1" smtClean="0"/>
+              <a:t>text</a:t>
+            </a:r>
+            <a:endParaRPr lang="de-DE" dirty="0"/>
+          </a:p>
+        </p:txBody>
+      </p:sp>
+      <p:sp>
+        <p:nvSpPr>
+          <p:cNvPr id="4" name="TextBox 3"/>
+          <p:cNvSpPr txBox="1"/>
+          <p:nvPr>
+            <p:custDataLst>
+              <p:tags r:id="rId2"/>
+            </p:custDataLst>
+          </p:nvPr>
+        </p:nvSpPr>
+        <p:spPr>
+          <a:xfrm>
+            <a:off x="2627784" y="3429000"/>
+            <a:ext cx="725840" cy="369332"/>
+          </a:xfrm>
+          <a:prstGeom prst="rect">
+            <a:avLst/>
+          </a:prstGeom>
+          <a:noFill/>
+        </p:spPr>
+        <p:txBody>
+          <a:bodyPr wrap="none" rtlCol="0">
+            <a:spAutoFit/>
+          </a:bodyPr>
+          <a:lstStyle/>
+          <a:p>
+            <a:r>
+              <a:rPr lang="de-DE" dirty="0" smtClean="0"/>
+              <a:t>Test 2</a:t>
+            </a:r>
+            <a:endParaRPr lang="de-DE" dirty="0"/>
+          </a:p>
+        </p:txBody>
+      </p:sp>
+      <p:graphicFrame>
+        <p:nvGraphicFramePr>
+          <p:cNvPr id="5" name="Chart 4"/>
+          <p:cNvGraphicFramePr/>
+          <p:nvPr>
+            <p:custDataLst>
+              <p:tags r:id="rId3"/>
+            </p:custDataLst>
+          </p:nvPr>
+        </p:nvGraphicFramePr>
+        <p:xfrm>
+          <a:off x="1524000" y="1397000"/>
+          <a:ext cx="6096000" cy="4064000"/>
+        </p:xfrm>
+        <a:graphic>
+          <a:graphicData uri="http://schemas.openxmlformats.org/drawingml/2006/chart">
+            <c:chart xmlns:c="http://schemas.openxmlformats.org/drawingml/2006/chart" xmlns:r="http://schemas.openxmlformats.org/officeDocument/2006/relationships" r:id="rId5"/>
+          </a:graphicData>
+        </a:graphic>
+      </p:graphicFrame>
     </p:spTree>
   </p:cSld>
   <p:clrMapOvr>
     <a:masterClrMapping/>
   </p:clrMapOvr>
 </p:sld>
+</file>
+
+<file path=ppt/tags/tag1.xml><?xml version="1.0" encoding="utf-8"?>
+<p:tagLst xmlns:a="http://schemas.openxmlformats.org/drawingml/2006/main" xmlns:r="http://schemas.openxmlformats.org/officeDocument/2006/relationships" xmlns:p="http://schemas.openxmlformats.org/presentationml/2006/main">
+  <p:tag name="CTOBJECTDATA.ID" val="shape1"/>
+  <p:tag name="CTOBJECTDATA.WORKBOOK" val="Reportdata_1023.xlsx"/>
+  <p:tag name="CTOBJECTDATA.EXPANDDIRECTION" val="RightDown"/>
+  <p:tag name="CTOBJECTDATA.EXPANDROWTOLERANCE" val="0"/>
+  <p:tag name="CTOBJECTDATA.EXPANDCOLUMNTOLERANCE" val="0"/>
+  <p:tag name="CTOBJECTDATA.RANGEROWOFFSET" val="0"/>
+  <p:tag name="CTOBJECTDATA.RANGECOLUMNOFFSET" val="0"/>
+  <p:tag name="CTOBJECTDATA.TRANSPOSE" val="False"/>
+  <p:tag name="CTOBJECTDATA.PERSISTENTDATARANGE" val="False"/>
+  <p:tag name="CTOBJECTDATA.STATE" val="1"/>
+  <p:tag name="CTOBJECTDATA.UPDATE" val="True"/>
+  <p:tag name="CTOBJECTDATA.CTVERSION" val="0"/>
+</p:tagLst>
+</file>
+
+<file path=ppt/tags/tag2.xml><?xml version="1.0" encoding="utf-8"?>
+<p:tagLst xmlns:a="http://schemas.openxmlformats.org/drawingml/2006/main" xmlns:r="http://schemas.openxmlformats.org/officeDocument/2006/relationships" xmlns:p="http://schemas.openxmlformats.org/presentationml/2006/main">
+  <p:tag name="CTOBJECTDATA.ID" val="shape2"/>
+  <p:tag name="CTOBJECTDATA.WORKBOOK" val="Reportdata_1023.xlsx"/>
+  <p:tag name="CTOBJECTDATA.EXPANDDIRECTION" val="RightDown"/>
+  <p:tag name="CTOBJECTDATA.EXPANDROWTOLERANCE" val="0"/>
+  <p:tag name="CTOBJECTDATA.EXPANDCOLUMNTOLERANCE" val="0"/>
+  <p:tag name="CTOBJECTDATA.RANGEROWOFFSET" val="0"/>
+  <p:tag name="CTOBJECTDATA.RANGECOLUMNOFFSET" val="0"/>
+  <p:tag name="CTOBJECTDATA.TRANSPOSE" val="False"/>
+  <p:tag name="CTOBJECTDATA.PERSISTENTDATARANGE" val="False"/>
+  <p:tag name="CTOBJECTDATA.STATE" val="1"/>
+  <p:tag name="CTOBJECTDATA.UPDATE" val="True"/>
+  <p:tag name="CTOBJECTDATA.CTVERSION" val="0"/>
+</p:tagLst>
+</file>
+
+<file path=ppt/tags/tag3.xml><?xml version="1.0" encoding="utf-8"?>
+<p:tagLst xmlns:a="http://schemas.openxmlformats.org/drawingml/2006/main" xmlns:r="http://schemas.openxmlformats.org/officeDocument/2006/relationships" xmlns:p="http://schemas.openxmlformats.org/presentationml/2006/main">
+  <p:tag name="CTOBJECTDATA.ID" val="chart1"/>
+  <p:tag name="CTOBJECTDATA.EXPANDDIRECTION" val="RightDown"/>
+  <p:tag name="CTOBJECTDATA.EXPANDROWTOLERANCE" val="0"/>
+  <p:tag name="CTOBJECTDATA.EXPANDCOLUMNTOLERANCE" val="0"/>
+  <p:tag name="CTOBJECTDATA.RANGEROWOFFSET" val="0"/>
+  <p:tag name="CTOBJECTDATA.RANGECOLUMNOFFSET" val="0"/>
+  <p:tag name="CTOBJECTDATA.TRANSPOSE" val="False"/>
+  <p:tag name="CTOBJECTDATA.PERSISTENTDATARANGE" val="False"/>
+  <p:tag name="CTOBJECTDATA.STATE" val="1"/>
+  <p:tag name="CTOBJECTDATA.UPDATE" val="True"/>
+  <p:tag name="CTOBJECTDATA.CTVERSION" val="0"/>
+</p:tagLst>
 </file>
 
 <file path=ppt/theme/theme1.xml><?xml version="1.0" encoding="utf-8"?>
